--- a/Omer/Generated_Data/Diff Params.pptx
+++ b/Omer/Generated_Data/Diff Params.pptx
@@ -5,7 +5,7 @@
     <p:sldMasterId id="2147483648" r:id="rId1"/>
   </p:sldMasterIdLst>
   <p:notesMasterIdLst>
-    <p:notesMasterId r:id="rId7"/>
+    <p:notesMasterId r:id="rId10"/>
   </p:notesMasterIdLst>
   <p:sldIdLst>
     <p:sldId id="256" r:id="rId2"/>
@@ -13,6 +13,9 @@
     <p:sldId id="258" r:id="rId4"/>
     <p:sldId id="260" r:id="rId5"/>
     <p:sldId id="261" r:id="rId6"/>
+    <p:sldId id="263" r:id="rId7"/>
+    <p:sldId id="264" r:id="rId8"/>
+    <p:sldId id="265" r:id="rId9"/>
   </p:sldIdLst>
   <p:sldSz cx="12192000" cy="6858000"/>
   <p:notesSz cx="6858000" cy="9144000"/>
@@ -111,6 +114,11 @@
       </a:defRPr>
     </a:lvl9pPr>
   </p:defaultTextStyle>
+  <p:extLst>
+    <p:ext uri="{EFAFB233-063F-42B5-8137-9DF3F51BA10A}">
+      <p15:sldGuideLst xmlns:p15="http://schemas.microsoft.com/office/powerpoint/2012/main"/>
+    </p:ext>
+  </p:extLst>
 </p:presentation>
 </file>
 
@@ -3834,6 +3842,13 @@
             </a:br>
             <a:r>
               <a:rPr lang="en-US" sz="4000" dirty="0"/>
+              <a:t>layers = 4</a:t>
+            </a:r>
+            <a:br>
+              <a:rPr lang="en-US" sz="4000" dirty="0"/>
+            </a:br>
+            <a:r>
+              <a:rPr lang="en-US" sz="4000" dirty="0"/>
               <a:t>epochs = </a:t>
             </a:r>
             <a:r>
@@ -3937,6 +3952,12 @@
             <a:r>
               <a:rPr lang="en-US" sz="4000" dirty="0"/>
               <a:t>Learning rate = 10 ** -4</a:t>
+            </a:r>
+          </a:p>
+          <a:p>
+            <a:r>
+              <a:rPr lang="en-US" sz="4000" dirty="0"/>
+              <a:t>layers = 4</a:t>
             </a:r>
             <a:br>
               <a:rPr lang="en-US" sz="4000" dirty="0"/>
@@ -4487,6 +4508,357 @@
     <p:extLst>
       <p:ext uri="{BB962C8B-B14F-4D97-AF65-F5344CB8AC3E}">
         <p14:creationId xmlns:p14="http://schemas.microsoft.com/office/powerpoint/2010/main" val="2762817373"/>
+      </p:ext>
+    </p:extLst>
+  </p:cSld>
+  <p:clrMapOvr>
+    <a:masterClrMapping/>
+  </p:clrMapOvr>
+</p:sld>
+</file>
+
+<file path=ppt/slides/slide6.xml><?xml version="1.0" encoding="utf-8"?>
+<p:sld xmlns:a="http://schemas.openxmlformats.org/drawingml/2006/main" xmlns:r="http://schemas.openxmlformats.org/officeDocument/2006/relationships" xmlns:p="http://schemas.openxmlformats.org/presentationml/2006/main">
+  <p:cSld>
+    <p:spTree>
+      <p:nvGrpSpPr>
+        <p:cNvPr id="1" name="">
+          <a:extLst>
+            <a:ext uri="{FF2B5EF4-FFF2-40B4-BE49-F238E27FC236}">
+              <a16:creationId xmlns:a16="http://schemas.microsoft.com/office/drawing/2014/main" id="{D7B053E9-FD7F-E9ED-6FCF-C309EEB501CD}"/>
+            </a:ext>
+          </a:extLst>
+        </p:cNvPr>
+        <p:cNvGrpSpPr/>
+        <p:nvPr/>
+      </p:nvGrpSpPr>
+      <p:grpSpPr>
+        <a:xfrm>
+          <a:off x="0" y="0"/>
+          <a:ext cx="0" cy="0"/>
+          <a:chOff x="0" y="0"/>
+          <a:chExt cx="0" cy="0"/>
+        </a:xfrm>
+      </p:grpSpPr>
+      <p:sp>
+        <p:nvSpPr>
+          <p:cNvPr id="2" name="Title 1">
+            <a:extLst>
+              <a:ext uri="{FF2B5EF4-FFF2-40B4-BE49-F238E27FC236}">
+                <a16:creationId xmlns:a16="http://schemas.microsoft.com/office/drawing/2014/main" id="{C6856C27-23E0-18FA-B761-3FF7C799F92D}"/>
+              </a:ext>
+            </a:extLst>
+          </p:cNvPr>
+          <p:cNvSpPr>
+            <a:spLocks noGrp="1"/>
+          </p:cNvSpPr>
+          <p:nvPr>
+            <p:ph type="title"/>
+          </p:nvPr>
+        </p:nvSpPr>
+        <p:spPr/>
+        <p:txBody>
+          <a:bodyPr>
+            <a:normAutofit/>
+          </a:bodyPr>
+          <a:lstStyle/>
+          <a:p>
+            <a:r>
+              <a:rPr lang="en-US" sz="3200" dirty="0"/>
+              <a:t>Qubits_2_Lines_10000_TS_10_Shots_1000_MeanDecay_3</a:t>
+            </a:r>
+            <a:endParaRPr lang="he-IL" sz="3200" dirty="0"/>
+          </a:p>
+        </p:txBody>
+      </p:sp>
+      <p:pic>
+        <p:nvPicPr>
+          <p:cNvPr id="5" name="Picture 4">
+            <a:extLst>
+              <a:ext uri="{FF2B5EF4-FFF2-40B4-BE49-F238E27FC236}">
+                <a16:creationId xmlns:a16="http://schemas.microsoft.com/office/drawing/2014/main" id="{47D9352E-325B-98D7-D253-D07F2087BF79}"/>
+              </a:ext>
+            </a:extLst>
+          </p:cNvPr>
+          <p:cNvPicPr>
+            <a:picLocks noChangeAspect="1"/>
+          </p:cNvPicPr>
+          <p:nvPr/>
+        </p:nvPicPr>
+        <p:blipFill>
+          <a:blip r:embed="rId2"/>
+          <a:stretch>
+            <a:fillRect/>
+          </a:stretch>
+        </p:blipFill>
+        <p:spPr>
+          <a:xfrm>
+            <a:off x="63273" y="1432151"/>
+            <a:ext cx="5762625" cy="4581525"/>
+          </a:xfrm>
+          <a:prstGeom prst="rect">
+            <a:avLst/>
+          </a:prstGeom>
+        </p:spPr>
+      </p:pic>
+      <p:pic>
+        <p:nvPicPr>
+          <p:cNvPr id="11" name="Picture 10">
+            <a:extLst>
+              <a:ext uri="{FF2B5EF4-FFF2-40B4-BE49-F238E27FC236}">
+                <a16:creationId xmlns:a16="http://schemas.microsoft.com/office/drawing/2014/main" id="{AB2B36B5-23C4-A545-6BF9-F5DC7C86520B}"/>
+              </a:ext>
+            </a:extLst>
+          </p:cNvPr>
+          <p:cNvPicPr>
+            <a:picLocks noChangeAspect="1"/>
+          </p:cNvPicPr>
+          <p:nvPr/>
+        </p:nvPicPr>
+        <p:blipFill>
+          <a:blip r:embed="rId3"/>
+          <a:stretch>
+            <a:fillRect/>
+          </a:stretch>
+        </p:blipFill>
+        <p:spPr>
+          <a:xfrm>
+            <a:off x="6096000" y="1432151"/>
+            <a:ext cx="5762625" cy="4581525"/>
+          </a:xfrm>
+          <a:prstGeom prst="rect">
+            <a:avLst/>
+          </a:prstGeom>
+        </p:spPr>
+      </p:pic>
+    </p:spTree>
+    <p:extLst>
+      <p:ext uri="{BB962C8B-B14F-4D97-AF65-F5344CB8AC3E}">
+        <p14:creationId xmlns:p14="http://schemas.microsoft.com/office/powerpoint/2010/main" val="2271184050"/>
+      </p:ext>
+    </p:extLst>
+  </p:cSld>
+  <p:clrMapOvr>
+    <a:masterClrMapping/>
+  </p:clrMapOvr>
+</p:sld>
+</file>
+
+<file path=ppt/slides/slide7.xml><?xml version="1.0" encoding="utf-8"?>
+<p:sld xmlns:a="http://schemas.openxmlformats.org/drawingml/2006/main" xmlns:r="http://schemas.openxmlformats.org/officeDocument/2006/relationships" xmlns:p="http://schemas.openxmlformats.org/presentationml/2006/main">
+  <p:cSld>
+    <p:spTree>
+      <p:nvGrpSpPr>
+        <p:cNvPr id="1" name="">
+          <a:extLst>
+            <a:ext uri="{FF2B5EF4-FFF2-40B4-BE49-F238E27FC236}">
+              <a16:creationId xmlns:a16="http://schemas.microsoft.com/office/drawing/2014/main" id="{23CEBE03-4265-136F-CBFC-AE11E0EE004D}"/>
+            </a:ext>
+          </a:extLst>
+        </p:cNvPr>
+        <p:cNvGrpSpPr/>
+        <p:nvPr/>
+      </p:nvGrpSpPr>
+      <p:grpSpPr>
+        <a:xfrm>
+          <a:off x="0" y="0"/>
+          <a:ext cx="0" cy="0"/>
+          <a:chOff x="0" y="0"/>
+          <a:chExt cx="0" cy="0"/>
+        </a:xfrm>
+      </p:grpSpPr>
+      <p:sp>
+        <p:nvSpPr>
+          <p:cNvPr id="2" name="Title 1">
+            <a:extLst>
+              <a:ext uri="{FF2B5EF4-FFF2-40B4-BE49-F238E27FC236}">
+                <a16:creationId xmlns:a16="http://schemas.microsoft.com/office/drawing/2014/main" id="{630468E8-B2E3-8F98-BB9B-EB331F1EC8B2}"/>
+              </a:ext>
+            </a:extLst>
+          </p:cNvPr>
+          <p:cNvSpPr>
+            <a:spLocks noGrp="1"/>
+          </p:cNvSpPr>
+          <p:nvPr>
+            <p:ph type="title"/>
+          </p:nvPr>
+        </p:nvSpPr>
+        <p:spPr/>
+        <p:txBody>
+          <a:bodyPr>
+            <a:normAutofit/>
+          </a:bodyPr>
+          <a:lstStyle/>
+          <a:p>
+            <a:r>
+              <a:rPr lang="en-US" sz="3200" dirty="0"/>
+              <a:t>Qubits_2_Lines_10000_TS_10_Shots_1000_MeanDecay_3</a:t>
+            </a:r>
+            <a:endParaRPr lang="he-IL" sz="3200" dirty="0"/>
+          </a:p>
+        </p:txBody>
+      </p:sp>
+      <p:pic>
+        <p:nvPicPr>
+          <p:cNvPr id="4" name="Picture 3">
+            <a:extLst>
+              <a:ext uri="{FF2B5EF4-FFF2-40B4-BE49-F238E27FC236}">
+                <a16:creationId xmlns:a16="http://schemas.microsoft.com/office/drawing/2014/main" id="{5E49D425-BB57-4A9D-882C-A74F28D80B41}"/>
+              </a:ext>
+            </a:extLst>
+          </p:cNvPr>
+          <p:cNvPicPr>
+            <a:picLocks noChangeAspect="1"/>
+          </p:cNvPicPr>
+          <p:nvPr/>
+        </p:nvPicPr>
+        <p:blipFill>
+          <a:blip r:embed="rId2"/>
+          <a:stretch>
+            <a:fillRect/>
+          </a:stretch>
+        </p:blipFill>
+        <p:spPr>
+          <a:xfrm>
+            <a:off x="202065" y="1570944"/>
+            <a:ext cx="5762625" cy="4581525"/>
+          </a:xfrm>
+          <a:prstGeom prst="rect">
+            <a:avLst/>
+          </a:prstGeom>
+        </p:spPr>
+      </p:pic>
+      <p:pic>
+        <p:nvPicPr>
+          <p:cNvPr id="8" name="Picture 7">
+            <a:extLst>
+              <a:ext uri="{FF2B5EF4-FFF2-40B4-BE49-F238E27FC236}">
+                <a16:creationId xmlns:a16="http://schemas.microsoft.com/office/drawing/2014/main" id="{24F98358-9636-ED03-B1BF-08CCDA415998}"/>
+              </a:ext>
+            </a:extLst>
+          </p:cNvPr>
+          <p:cNvPicPr>
+            <a:picLocks noChangeAspect="1"/>
+          </p:cNvPicPr>
+          <p:nvPr/>
+        </p:nvPicPr>
+        <p:blipFill>
+          <a:blip r:embed="rId3"/>
+          <a:stretch>
+            <a:fillRect/>
+          </a:stretch>
+        </p:blipFill>
+        <p:spPr>
+          <a:xfrm>
+            <a:off x="6357937" y="1472973"/>
+            <a:ext cx="5762625" cy="4581525"/>
+          </a:xfrm>
+          <a:prstGeom prst="rect">
+            <a:avLst/>
+          </a:prstGeom>
+        </p:spPr>
+      </p:pic>
+    </p:spTree>
+    <p:extLst>
+      <p:ext uri="{BB962C8B-B14F-4D97-AF65-F5344CB8AC3E}">
+        <p14:creationId xmlns:p14="http://schemas.microsoft.com/office/powerpoint/2010/main" val="3339760792"/>
+      </p:ext>
+    </p:extLst>
+  </p:cSld>
+  <p:clrMapOvr>
+    <a:masterClrMapping/>
+  </p:clrMapOvr>
+</p:sld>
+</file>
+
+<file path=ppt/slides/slide8.xml><?xml version="1.0" encoding="utf-8"?>
+<p:sld xmlns:a="http://schemas.openxmlformats.org/drawingml/2006/main" xmlns:r="http://schemas.openxmlformats.org/officeDocument/2006/relationships" xmlns:p="http://schemas.openxmlformats.org/presentationml/2006/main">
+  <p:cSld>
+    <p:spTree>
+      <p:nvGrpSpPr>
+        <p:cNvPr id="1" name="">
+          <a:extLst>
+            <a:ext uri="{FF2B5EF4-FFF2-40B4-BE49-F238E27FC236}">
+              <a16:creationId xmlns:a16="http://schemas.microsoft.com/office/drawing/2014/main" id="{B56D5A12-15B6-DCD3-7B98-40183E4DFD05}"/>
+            </a:ext>
+          </a:extLst>
+        </p:cNvPr>
+        <p:cNvGrpSpPr/>
+        <p:nvPr/>
+      </p:nvGrpSpPr>
+      <p:grpSpPr>
+        <a:xfrm>
+          <a:off x="0" y="0"/>
+          <a:ext cx="0" cy="0"/>
+          <a:chOff x="0" y="0"/>
+          <a:chExt cx="0" cy="0"/>
+        </a:xfrm>
+      </p:grpSpPr>
+      <p:sp>
+        <p:nvSpPr>
+          <p:cNvPr id="2" name="Title 1">
+            <a:extLst>
+              <a:ext uri="{FF2B5EF4-FFF2-40B4-BE49-F238E27FC236}">
+                <a16:creationId xmlns:a16="http://schemas.microsoft.com/office/drawing/2014/main" id="{1920FB9B-4CAB-E44E-84A3-C1AD09C248D9}"/>
+              </a:ext>
+            </a:extLst>
+          </p:cNvPr>
+          <p:cNvSpPr>
+            <a:spLocks noGrp="1"/>
+          </p:cNvSpPr>
+          <p:nvPr>
+            <p:ph type="title"/>
+          </p:nvPr>
+        </p:nvSpPr>
+        <p:spPr/>
+        <p:txBody>
+          <a:bodyPr>
+            <a:normAutofit/>
+          </a:bodyPr>
+          <a:lstStyle/>
+          <a:p>
+            <a:r>
+              <a:rPr lang="en-US" sz="3200" dirty="0"/>
+              <a:t>Qubits_2_Lines_10000_TS_10_Shots_1000_MeanDecay_3</a:t>
+            </a:r>
+            <a:endParaRPr lang="he-IL" sz="3200" dirty="0"/>
+          </a:p>
+        </p:txBody>
+      </p:sp>
+      <p:pic>
+        <p:nvPicPr>
+          <p:cNvPr id="7" name="Picture 6">
+            <a:extLst>
+              <a:ext uri="{FF2B5EF4-FFF2-40B4-BE49-F238E27FC236}">
+                <a16:creationId xmlns:a16="http://schemas.microsoft.com/office/drawing/2014/main" id="{5C2D7071-EE1A-FE0F-5745-A9DE2CCDDC8F}"/>
+              </a:ext>
+            </a:extLst>
+          </p:cNvPr>
+          <p:cNvPicPr>
+            <a:picLocks noChangeAspect="1"/>
+          </p:cNvPicPr>
+          <p:nvPr/>
+        </p:nvPicPr>
+        <p:blipFill>
+          <a:blip r:embed="rId2"/>
+          <a:stretch>
+            <a:fillRect/>
+          </a:stretch>
+        </p:blipFill>
+        <p:spPr>
+          <a:xfrm>
+            <a:off x="2888115" y="1758723"/>
+            <a:ext cx="5762625" cy="4581525"/>
+          </a:xfrm>
+          <a:prstGeom prst="rect">
+            <a:avLst/>
+          </a:prstGeom>
+        </p:spPr>
+      </p:pic>
+    </p:spTree>
+    <p:extLst>
+      <p:ext uri="{BB962C8B-B14F-4D97-AF65-F5344CB8AC3E}">
+        <p14:creationId xmlns:p14="http://schemas.microsoft.com/office/powerpoint/2010/main" val="2237212260"/>
       </p:ext>
     </p:extLst>
   </p:cSld>
